--- a/javaProject/out/production/javaProject/com/company/Examples/SolarSystem/pptx/solar_system_template.pptx
+++ b/javaProject/out/production/javaProject/com/company/Examples/SolarSystem/pptx/solar_system_template.pptx
@@ -9120,7 +9120,7 @@
             </a:pPr>
             <a:r>
               <a:rPr lang="nl"/>
-              <a:t>{!bodies}Body: {name}</a:t>
+              <a:t>{!planets}Planet: {name}</a:t>
             </a:r>
             <a:endParaRPr/>
           </a:p>
